--- a/AI Empowered Automated Employee Expense Reimbursement Process (1).pptx
+++ b/AI Empowered Automated Employee Expense Reimbursement Process (1).pptx
@@ -9882,8 +9882,8 @@
         </p:nvSpPr>
         <p:spPr>
           <a:xfrm>
-            <a:off x="5505805" y="3331345"/>
-            <a:ext cx="1180390" cy="849453"/>
+            <a:off x="4225770" y="2100899"/>
+            <a:ext cx="2584712" cy="849453"/>
           </a:xfrm>
           <a:prstGeom prst="rightArrow">
             <a:avLst/>
@@ -9910,7 +9910,59 @@
           <a:lstStyle/>
           <a:p>
             <a:pPr algn="ctr"/>
-            <a:endParaRPr lang="en-US" dirty="0"/>
+            <a:r>
+              <a:rPr lang="en-US" sz="2000" dirty="0"/>
+              <a:t>Regular expression</a:t>
+            </a:r>
+          </a:p>
+        </p:txBody>
+      </p:sp>
+      <p:sp>
+        <p:nvSpPr>
+          <p:cNvPr id="6" name="Arrow: Right 5">
+            <a:extLst>
+              <a:ext uri="{FF2B5EF4-FFF2-40B4-BE49-F238E27FC236}">
+                <a16:creationId xmlns:a16="http://schemas.microsoft.com/office/drawing/2014/main" id="{966310EE-99E7-FDAD-B7E9-A6E4207AA2BE}"/>
+              </a:ext>
+            </a:extLst>
+          </p:cNvPr>
+          <p:cNvSpPr/>
+          <p:nvPr/>
+        </p:nvSpPr>
+        <p:spPr>
+          <a:xfrm>
+            <a:off x="4492102" y="3174596"/>
+            <a:ext cx="1883874" cy="917067"/>
+          </a:xfrm>
+          <a:prstGeom prst="rightArrow">
+            <a:avLst/>
+          </a:prstGeom>
+        </p:spPr>
+        <p:style>
+          <a:lnRef idx="2">
+            <a:schemeClr val="accent2">
+              <a:shade val="15000"/>
+            </a:schemeClr>
+          </a:lnRef>
+          <a:fillRef idx="1">
+            <a:schemeClr val="accent2"/>
+          </a:fillRef>
+          <a:effectRef idx="0">
+            <a:schemeClr val="accent2"/>
+          </a:effectRef>
+          <a:fontRef idx="minor">
+            <a:schemeClr val="lt1"/>
+          </a:fontRef>
+        </p:style>
+        <p:txBody>
+          <a:bodyPr rtlCol="0" anchor="ctr"/>
+          <a:lstStyle/>
+          <a:p>
+            <a:pPr algn="ctr"/>
+            <a:r>
+              <a:rPr lang="en-US" sz="2400" dirty="0"/>
+              <a:t>NER</a:t>
+            </a:r>
           </a:p>
         </p:txBody>
       </p:sp>
